--- a/src/ppt5.pptx
+++ b/src/ppt5.pptx
@@ -13,7 +13,9 @@
     <p:sldId id="280" r:id="rId7"/>
     <p:sldId id="278" r:id="rId8"/>
     <p:sldId id="279" r:id="rId9"/>
-    <p:sldId id="273" r:id="rId10"/>
+    <p:sldId id="281" r:id="rId10"/>
+    <p:sldId id="282" r:id="rId11"/>
+    <p:sldId id="273" r:id="rId12"/>
   </p:sldIdLst>
   <p:sldSz cx="12192000" cy="6858000"/>
   <p:notesSz cx="6858000" cy="9144000"/>
@@ -114,7 +116,7 @@
   </p:defaultTextStyle>
   <p:extLst>
     <p:ext uri="{EFAFB233-063F-42B5-8137-9DF3F51BA10A}">
-      <p15:sldGuideLst xmlns="" xmlns:p15="http://schemas.microsoft.com/office/powerpoint/2012/main"/>
+      <p15:sldGuideLst xmlns:p15="http://schemas.microsoft.com/office/powerpoint/2012/main" xmlns=""/>
     </p:ext>
   </p:extLst>
 </p:presentation>
@@ -843,7 +845,7 @@
             <a:fld id="{48A87A34-81AB-432B-8DAE-1953F412C126}" type="datetimeFigureOut">
               <a:rPr lang="en-US" smtClean="0"/>
               <a:pPr/>
-              <a:t>9/27/2017</a:t>
+              <a:t>10/22/2017</a:t>
             </a:fld>
             <a:endParaRPr lang="en-US" dirty="0"/>
           </a:p>
@@ -895,7 +897,7 @@
     </p:spTree>
     <p:extLst>
       <p:ext uri="{BB962C8B-B14F-4D97-AF65-F5344CB8AC3E}">
-        <p14:creationId xmlns="" xmlns:p14="http://schemas.microsoft.com/office/powerpoint/2010/main" val="2379700270"/>
+        <p14:creationId xmlns:p14="http://schemas.microsoft.com/office/powerpoint/2010/main" xmlns="" val="2379700270"/>
       </p:ext>
     </p:extLst>
   </p:cSld>
@@ -1096,7 +1098,7 @@
             <a:fld id="{48A87A34-81AB-432B-8DAE-1953F412C126}" type="datetimeFigureOut">
               <a:rPr lang="en-US" smtClean="0"/>
               <a:pPr/>
-              <a:t>9/27/2017</a:t>
+              <a:t>10/22/2017</a:t>
             </a:fld>
             <a:endParaRPr lang="en-US" dirty="0"/>
           </a:p>
@@ -1148,7 +1150,7 @@
     </p:spTree>
     <p:extLst>
       <p:ext uri="{BB962C8B-B14F-4D97-AF65-F5344CB8AC3E}">
-        <p14:creationId xmlns="" xmlns:p14="http://schemas.microsoft.com/office/powerpoint/2010/main" val="1804991245"/>
+        <p14:creationId xmlns:p14="http://schemas.microsoft.com/office/powerpoint/2010/main" xmlns="" val="1804991245"/>
       </p:ext>
     </p:extLst>
   </p:cSld>
@@ -1412,7 +1414,7 @@
             <a:fld id="{48A87A34-81AB-432B-8DAE-1953F412C126}" type="datetimeFigureOut">
               <a:rPr lang="en-US" smtClean="0"/>
               <a:pPr/>
-              <a:t>9/27/2017</a:t>
+              <a:t>10/22/2017</a:t>
             </a:fld>
             <a:endParaRPr lang="en-US" dirty="0"/>
           </a:p>
@@ -1554,7 +1556,7 @@
     </p:spTree>
     <p:extLst>
       <p:ext uri="{BB962C8B-B14F-4D97-AF65-F5344CB8AC3E}">
-        <p14:creationId xmlns="" xmlns:p14="http://schemas.microsoft.com/office/powerpoint/2010/main" val="1473712570"/>
+        <p14:creationId xmlns:p14="http://schemas.microsoft.com/office/powerpoint/2010/main" xmlns="" val="1473712570"/>
       </p:ext>
     </p:extLst>
   </p:cSld>
@@ -1755,7 +1757,7 @@
             <a:fld id="{48A87A34-81AB-432B-8DAE-1953F412C126}" type="datetimeFigureOut">
               <a:rPr lang="en-US" smtClean="0"/>
               <a:pPr/>
-              <a:t>9/27/2017</a:t>
+              <a:t>10/22/2017</a:t>
             </a:fld>
             <a:endParaRPr lang="en-US" dirty="0"/>
           </a:p>
@@ -1807,7 +1809,7 @@
     </p:spTree>
     <p:extLst>
       <p:ext uri="{BB962C8B-B14F-4D97-AF65-F5344CB8AC3E}">
-        <p14:creationId xmlns="" xmlns:p14="http://schemas.microsoft.com/office/powerpoint/2010/main" val="2530574234"/>
+        <p14:creationId xmlns:p14="http://schemas.microsoft.com/office/powerpoint/2010/main" xmlns="" val="2530574234"/>
       </p:ext>
     </p:extLst>
   </p:cSld>
@@ -2071,7 +2073,7 @@
             <a:fld id="{48A87A34-81AB-432B-8DAE-1953F412C126}" type="datetimeFigureOut">
               <a:rPr lang="en-US" smtClean="0"/>
               <a:pPr/>
-              <a:t>9/27/2017</a:t>
+              <a:t>10/22/2017</a:t>
             </a:fld>
             <a:endParaRPr lang="en-US" dirty="0"/>
           </a:p>
@@ -2205,7 +2207,7 @@
     </p:spTree>
     <p:extLst>
       <p:ext uri="{BB962C8B-B14F-4D97-AF65-F5344CB8AC3E}">
-        <p14:creationId xmlns="" xmlns:p14="http://schemas.microsoft.com/office/powerpoint/2010/main" val="1004790222"/>
+        <p14:creationId xmlns:p14="http://schemas.microsoft.com/office/powerpoint/2010/main" xmlns="" val="1004790222"/>
       </p:ext>
     </p:extLst>
   </p:cSld>
@@ -2466,7 +2468,7 @@
             <a:fld id="{48A87A34-81AB-432B-8DAE-1953F412C126}" type="datetimeFigureOut">
               <a:rPr lang="en-US" smtClean="0"/>
               <a:pPr/>
-              <a:t>9/27/2017</a:t>
+              <a:t>10/22/2017</a:t>
             </a:fld>
             <a:endParaRPr lang="en-US" dirty="0"/>
           </a:p>
@@ -2518,7 +2520,7 @@
     </p:spTree>
     <p:extLst>
       <p:ext uri="{BB962C8B-B14F-4D97-AF65-F5344CB8AC3E}">
-        <p14:creationId xmlns="" xmlns:p14="http://schemas.microsoft.com/office/powerpoint/2010/main" val="3328784466"/>
+        <p14:creationId xmlns:p14="http://schemas.microsoft.com/office/powerpoint/2010/main" xmlns="" val="3328784466"/>
       </p:ext>
     </p:extLst>
   </p:cSld>
@@ -2638,7 +2640,7 @@
             <a:fld id="{48A87A34-81AB-432B-8DAE-1953F412C126}" type="datetimeFigureOut">
               <a:rPr lang="en-US" smtClean="0"/>
               <a:pPr/>
-              <a:t>9/27/2017</a:t>
+              <a:t>10/22/2017</a:t>
             </a:fld>
             <a:endParaRPr lang="en-US" dirty="0"/>
           </a:p>
@@ -2690,7 +2692,7 @@
     </p:spTree>
     <p:extLst>
       <p:ext uri="{BB962C8B-B14F-4D97-AF65-F5344CB8AC3E}">
-        <p14:creationId xmlns="" xmlns:p14="http://schemas.microsoft.com/office/powerpoint/2010/main" val="1447070425"/>
+        <p14:creationId xmlns:p14="http://schemas.microsoft.com/office/powerpoint/2010/main" xmlns="" val="1447070425"/>
       </p:ext>
     </p:extLst>
   </p:cSld>
@@ -2820,7 +2822,7 @@
             <a:fld id="{48A87A34-81AB-432B-8DAE-1953F412C126}" type="datetimeFigureOut">
               <a:rPr lang="en-US" smtClean="0"/>
               <a:pPr/>
-              <a:t>9/27/2017</a:t>
+              <a:t>10/22/2017</a:t>
             </a:fld>
             <a:endParaRPr lang="en-US" dirty="0"/>
           </a:p>
@@ -2872,7 +2874,7 @@
     </p:spTree>
     <p:extLst>
       <p:ext uri="{BB962C8B-B14F-4D97-AF65-F5344CB8AC3E}">
-        <p14:creationId xmlns="" xmlns:p14="http://schemas.microsoft.com/office/powerpoint/2010/main" val="3648480235"/>
+        <p14:creationId xmlns:p14="http://schemas.microsoft.com/office/powerpoint/2010/main" xmlns="" val="3648480235"/>
       </p:ext>
     </p:extLst>
   </p:cSld>
@@ -2998,7 +3000,7 @@
             <a:fld id="{48A87A34-81AB-432B-8DAE-1953F412C126}" type="datetimeFigureOut">
               <a:rPr lang="en-US" smtClean="0"/>
               <a:pPr/>
-              <a:t>9/27/2017</a:t>
+              <a:t>10/22/2017</a:t>
             </a:fld>
             <a:endParaRPr lang="en-US" dirty="0"/>
           </a:p>
@@ -3050,7 +3052,7 @@
     </p:spTree>
     <p:extLst>
       <p:ext uri="{BB962C8B-B14F-4D97-AF65-F5344CB8AC3E}">
-        <p14:creationId xmlns="" xmlns:p14="http://schemas.microsoft.com/office/powerpoint/2010/main" val="2649633687"/>
+        <p14:creationId xmlns:p14="http://schemas.microsoft.com/office/powerpoint/2010/main" xmlns="" val="2649633687"/>
       </p:ext>
     </p:extLst>
   </p:cSld>
@@ -3247,7 +3249,7 @@
             <a:fld id="{48A87A34-81AB-432B-8DAE-1953F412C126}" type="datetimeFigureOut">
               <a:rPr lang="en-US" smtClean="0"/>
               <a:pPr/>
-              <a:t>9/27/2017</a:t>
+              <a:t>10/22/2017</a:t>
             </a:fld>
             <a:endParaRPr lang="en-US" dirty="0"/>
           </a:p>
@@ -3299,7 +3301,7 @@
     </p:spTree>
     <p:extLst>
       <p:ext uri="{BB962C8B-B14F-4D97-AF65-F5344CB8AC3E}">
-        <p14:creationId xmlns="" xmlns:p14="http://schemas.microsoft.com/office/powerpoint/2010/main" val="572893903"/>
+        <p14:creationId xmlns:p14="http://schemas.microsoft.com/office/powerpoint/2010/main" xmlns="" val="572893903"/>
       </p:ext>
     </p:extLst>
   </p:cSld>
@@ -3481,7 +3483,7 @@
             <a:fld id="{48A87A34-81AB-432B-8DAE-1953F412C126}" type="datetimeFigureOut">
               <a:rPr lang="en-US" smtClean="0"/>
               <a:pPr/>
-              <a:t>9/27/2017</a:t>
+              <a:t>10/22/2017</a:t>
             </a:fld>
             <a:endParaRPr lang="en-US" dirty="0"/>
           </a:p>
@@ -3533,7 +3535,7 @@
     </p:spTree>
     <p:extLst>
       <p:ext uri="{BB962C8B-B14F-4D97-AF65-F5344CB8AC3E}">
-        <p14:creationId xmlns="" xmlns:p14="http://schemas.microsoft.com/office/powerpoint/2010/main" val="3918475607"/>
+        <p14:creationId xmlns:p14="http://schemas.microsoft.com/office/powerpoint/2010/main" xmlns="" val="3918475607"/>
       </p:ext>
     </p:extLst>
   </p:cSld>
@@ -3857,7 +3859,7 @@
             <a:fld id="{48A87A34-81AB-432B-8DAE-1953F412C126}" type="datetimeFigureOut">
               <a:rPr lang="en-US" smtClean="0"/>
               <a:pPr/>
-              <a:t>9/27/2017</a:t>
+              <a:t>10/22/2017</a:t>
             </a:fld>
             <a:endParaRPr lang="en-US" dirty="0"/>
           </a:p>
@@ -3909,7 +3911,7 @@
     </p:spTree>
     <p:extLst>
       <p:ext uri="{BB962C8B-B14F-4D97-AF65-F5344CB8AC3E}">
-        <p14:creationId xmlns="" xmlns:p14="http://schemas.microsoft.com/office/powerpoint/2010/main" val="70569158"/>
+        <p14:creationId xmlns:p14="http://schemas.microsoft.com/office/powerpoint/2010/main" xmlns="" val="70569158"/>
       </p:ext>
     </p:extLst>
   </p:cSld>
@@ -3982,7 +3984,7 @@
             <a:fld id="{48A87A34-81AB-432B-8DAE-1953F412C126}" type="datetimeFigureOut">
               <a:rPr lang="en-US" smtClean="0"/>
               <a:pPr/>
-              <a:t>9/27/2017</a:t>
+              <a:t>10/22/2017</a:t>
             </a:fld>
             <a:endParaRPr lang="en-US" dirty="0"/>
           </a:p>
@@ -4034,7 +4036,7 @@
     </p:spTree>
     <p:extLst>
       <p:ext uri="{BB962C8B-B14F-4D97-AF65-F5344CB8AC3E}">
-        <p14:creationId xmlns="" xmlns:p14="http://schemas.microsoft.com/office/powerpoint/2010/main" val="3956773614"/>
+        <p14:creationId xmlns:p14="http://schemas.microsoft.com/office/powerpoint/2010/main" xmlns="" val="3956773614"/>
       </p:ext>
     </p:extLst>
   </p:cSld>
@@ -4079,7 +4081,7 @@
             <a:fld id="{48A87A34-81AB-432B-8DAE-1953F412C126}" type="datetimeFigureOut">
               <a:rPr lang="en-US" smtClean="0"/>
               <a:pPr/>
-              <a:t>9/27/2017</a:t>
+              <a:t>10/22/2017</a:t>
             </a:fld>
             <a:endParaRPr lang="en-US" dirty="0"/>
           </a:p>
@@ -4131,7 +4133,7 @@
     </p:spTree>
     <p:extLst>
       <p:ext uri="{BB962C8B-B14F-4D97-AF65-F5344CB8AC3E}">
-        <p14:creationId xmlns="" xmlns:p14="http://schemas.microsoft.com/office/powerpoint/2010/main" val="843387325"/>
+        <p14:creationId xmlns:p14="http://schemas.microsoft.com/office/powerpoint/2010/main" xmlns="" val="843387325"/>
       </p:ext>
     </p:extLst>
   </p:cSld>
@@ -4336,7 +4338,7 @@
             <a:fld id="{48A87A34-81AB-432B-8DAE-1953F412C126}" type="datetimeFigureOut">
               <a:rPr lang="en-US" smtClean="0"/>
               <a:pPr/>
-              <a:t>9/27/2017</a:t>
+              <a:t>10/22/2017</a:t>
             </a:fld>
             <a:endParaRPr lang="en-US" dirty="0"/>
           </a:p>
@@ -4388,7 +4390,7 @@
     </p:spTree>
     <p:extLst>
       <p:ext uri="{BB962C8B-B14F-4D97-AF65-F5344CB8AC3E}">
-        <p14:creationId xmlns="" xmlns:p14="http://schemas.microsoft.com/office/powerpoint/2010/main" val="614752468"/>
+        <p14:creationId xmlns:p14="http://schemas.microsoft.com/office/powerpoint/2010/main" xmlns="" val="614752468"/>
       </p:ext>
     </p:extLst>
   </p:cSld>
@@ -4601,7 +4603,7 @@
             <a:fld id="{48A87A34-81AB-432B-8DAE-1953F412C126}" type="datetimeFigureOut">
               <a:rPr lang="en-US" smtClean="0"/>
               <a:pPr/>
-              <a:t>9/27/2017</a:t>
+              <a:t>10/22/2017</a:t>
             </a:fld>
             <a:endParaRPr lang="en-US" dirty="0"/>
           </a:p>
@@ -4653,7 +4655,7 @@
     </p:spTree>
     <p:extLst>
       <p:ext uri="{BB962C8B-B14F-4D97-AF65-F5344CB8AC3E}">
-        <p14:creationId xmlns="" xmlns:p14="http://schemas.microsoft.com/office/powerpoint/2010/main" val="2525773852"/>
+        <p14:creationId xmlns:p14="http://schemas.microsoft.com/office/powerpoint/2010/main" xmlns="" val="2525773852"/>
       </p:ext>
     </p:extLst>
   </p:cSld>
@@ -5346,7 +5348,7 @@
             <a:fld id="{48A87A34-81AB-432B-8DAE-1953F412C126}" type="datetimeFigureOut">
               <a:rPr lang="en-US" smtClean="0"/>
               <a:pPr/>
-              <a:t>9/27/2017</a:t>
+              <a:t>10/22/2017</a:t>
             </a:fld>
             <a:endParaRPr lang="en-US" dirty="0"/>
           </a:p>
@@ -5432,7 +5434,7 @@
     </p:spTree>
     <p:extLst>
       <p:ext uri="{BB962C8B-B14F-4D97-AF65-F5344CB8AC3E}">
-        <p14:creationId xmlns="" xmlns:p14="http://schemas.microsoft.com/office/powerpoint/2010/main" val="2849168193"/>
+        <p14:creationId xmlns:p14="http://schemas.microsoft.com/office/powerpoint/2010/main" xmlns="" val="2849168193"/>
       </p:ext>
     </p:extLst>
   </p:cSld>
@@ -5926,7 +5928,340 @@
     </p:spTree>
     <p:extLst>
       <p:ext uri="{BB962C8B-B14F-4D97-AF65-F5344CB8AC3E}">
-        <p14:creationId xmlns="" xmlns:p14="http://schemas.microsoft.com/office/powerpoint/2010/main" val="1597654807"/>
+        <p14:creationId xmlns:p14="http://schemas.microsoft.com/office/powerpoint/2010/main" xmlns="" val="1597654807"/>
+      </p:ext>
+    </p:extLst>
+  </p:cSld>
+  <p:clrMapOvr>
+    <a:masterClrMapping/>
+  </p:clrMapOvr>
+  <p:timing>
+    <p:tnLst>
+      <p:par>
+        <p:cTn id="1" dur="indefinite" restart="never" nodeType="tmRoot"/>
+      </p:par>
+    </p:tnLst>
+  </p:timing>
+</p:sld>
+</file>
+
+<file path=ppt/slides/slide10.xml><?xml version="1.0" encoding="utf-8"?>
+<p:sld xmlns:a="http://schemas.openxmlformats.org/drawingml/2006/main" xmlns:r="http://schemas.openxmlformats.org/officeDocument/2006/relationships" xmlns:p="http://schemas.openxmlformats.org/presentationml/2006/main">
+  <p:cSld>
+    <p:spTree>
+      <p:nvGrpSpPr>
+        <p:cNvPr id="1" name=""/>
+        <p:cNvGrpSpPr/>
+        <p:nvPr/>
+      </p:nvGrpSpPr>
+      <p:grpSpPr>
+        <a:xfrm>
+          <a:off x="0" y="0"/>
+          <a:ext cx="0" cy="0"/>
+          <a:chOff x="0" y="0"/>
+          <a:chExt cx="0" cy="0"/>
+        </a:xfrm>
+      </p:grpSpPr>
+      <p:sp>
+        <p:nvSpPr>
+          <p:cNvPr id="2" name="כותרת 1"/>
+          <p:cNvSpPr>
+            <a:spLocks noGrp="1"/>
+          </p:cNvSpPr>
+          <p:nvPr>
+            <p:ph type="title"/>
+          </p:nvPr>
+        </p:nvSpPr>
+        <p:spPr>
+          <a:xfrm>
+            <a:off x="677334" y="609600"/>
+            <a:ext cx="8596668" cy="773151"/>
+          </a:xfrm>
+        </p:spPr>
+        <p:txBody>
+          <a:bodyPr>
+            <a:normAutofit/>
+          </a:bodyPr>
+          <a:lstStyle/>
+          <a:p>
+            <a:pPr algn="r"/>
+            <a:r>
+              <a:rPr lang="he-IL" sz="4400" b="1" dirty="0" smtClean="0"/>
+              <a:t>תירגול – מגוון סוגי נסיעות</a:t>
+            </a:r>
+            <a:endParaRPr lang="he-IL" sz="4400" b="1" dirty="0"/>
+          </a:p>
+        </p:txBody>
+      </p:sp>
+      <p:sp>
+        <p:nvSpPr>
+          <p:cNvPr id="3" name="מציין מיקום תוכן 2"/>
+          <p:cNvSpPr>
+            <a:spLocks noGrp="1"/>
+          </p:cNvSpPr>
+          <p:nvPr>
+            <p:ph idx="1"/>
+          </p:nvPr>
+        </p:nvSpPr>
+        <p:spPr>
+          <a:xfrm>
+            <a:off x="0" y="1428947"/>
+            <a:ext cx="9274002" cy="5847063"/>
+          </a:xfrm>
+        </p:spPr>
+        <p:txBody>
+          <a:bodyPr>
+            <a:noAutofit/>
+          </a:bodyPr>
+          <a:lstStyle/>
+          <a:p>
+            <a:r>
+              <a:rPr lang="he-IL" sz="4000" dirty="0" smtClean="0"/>
+              <a:t> בנו את התסריטים הבאים:</a:t>
+            </a:r>
+          </a:p>
+          <a:p>
+            <a:pPr lvl="1"/>
+            <a:r>
+              <a:rPr lang="he-IL" sz="2600" dirty="0" smtClean="0"/>
+              <a:t>נסיעה </a:t>
+            </a:r>
+            <a:r>
+              <a:rPr lang="he-IL" sz="2600" dirty="0" smtClean="0"/>
+              <a:t>בסיבוב שמאלה על המקום 2 שניות </a:t>
+            </a:r>
+            <a:r>
+              <a:rPr lang="he-IL" sz="2600" dirty="0" smtClean="0"/>
+              <a:t>ועצירה</a:t>
+            </a:r>
+          </a:p>
+          <a:p>
+            <a:pPr lvl="2"/>
+            <a:r>
+              <a:rPr lang="he-IL" sz="2400" dirty="0" smtClean="0"/>
+              <a:t>סיבוב על המקום משמעו תנועה סביב נקודת אמצע הרובוט ללא התקדמות </a:t>
+            </a:r>
+          </a:p>
+          <a:p>
+            <a:pPr lvl="1"/>
+            <a:endParaRPr lang="he-IL" sz="2600" dirty="0" smtClean="0"/>
+          </a:p>
+          <a:p>
+            <a:pPr lvl="1"/>
+            <a:endParaRPr lang="he-IL" sz="2600" dirty="0" smtClean="0"/>
+          </a:p>
+          <a:p>
+            <a:pPr lvl="1">
+              <a:buNone/>
+            </a:pPr>
+            <a:endParaRPr lang="he-IL" sz="2600" dirty="0" smtClean="0"/>
+          </a:p>
+          <a:p>
+            <a:pPr lvl="1"/>
+            <a:r>
+              <a:rPr lang="he-IL" sz="2600" dirty="0" smtClean="0"/>
+              <a:t>מתקדם: סיבוב על המקום סיבוב מלא ואז יסע קדימה 2 שניות.</a:t>
+            </a:r>
+          </a:p>
+          <a:p>
+            <a:pPr lvl="2"/>
+            <a:r>
+              <a:rPr lang="he-IL" sz="2200" dirty="0" smtClean="0"/>
+              <a:t> דיון: כמה זמן יש להקציב לסיבוב כדי להשלים סיבוב מלא?</a:t>
+            </a:r>
+          </a:p>
+          <a:p>
+            <a:pPr lvl="2"/>
+            <a:r>
+              <a:rPr lang="he-IL" sz="2200" dirty="0" smtClean="0"/>
+              <a:t> האם לכל רובוט לקח אותו זמן להסתובב? למה?</a:t>
+            </a:r>
+          </a:p>
+          <a:p>
+            <a:pPr lvl="1"/>
+            <a:endParaRPr lang="he-IL" sz="2600" dirty="0" smtClean="0"/>
+          </a:p>
+          <a:p>
+            <a:pPr lvl="1"/>
+            <a:endParaRPr lang="he-IL" sz="3200" dirty="0" smtClean="0"/>
+          </a:p>
+        </p:txBody>
+      </p:sp>
+      <p:pic>
+        <p:nvPicPr>
+          <p:cNvPr id="3076" name="Picture 4"/>
+          <p:cNvPicPr>
+            <a:picLocks noChangeAspect="1" noChangeArrowheads="1"/>
+          </p:cNvPicPr>
+          <p:nvPr/>
+        </p:nvPicPr>
+        <p:blipFill>
+          <a:blip r:embed="rId2"/>
+          <a:srcRect/>
+          <a:stretch>
+            <a:fillRect/>
+          </a:stretch>
+        </p:blipFill>
+        <p:spPr bwMode="auto">
+          <a:xfrm>
+            <a:off x="1154419" y="3536362"/>
+            <a:ext cx="6591300" cy="1457325"/>
+          </a:xfrm>
+          <a:prstGeom prst="rect">
+            <a:avLst/>
+          </a:prstGeom>
+          <a:noFill/>
+          <a:ln w="9525">
+            <a:noFill/>
+            <a:miter lim="800000"/>
+            <a:headEnd/>
+            <a:tailEnd/>
+          </a:ln>
+        </p:spPr>
+      </p:pic>
+    </p:spTree>
+    <p:extLst>
+      <p:ext uri="{BB962C8B-B14F-4D97-AF65-F5344CB8AC3E}">
+        <p14:creationId xmlns:p14="http://schemas.microsoft.com/office/powerpoint/2010/main" xmlns="" val="999608912"/>
+      </p:ext>
+    </p:extLst>
+  </p:cSld>
+  <p:clrMapOvr>
+    <a:masterClrMapping/>
+  </p:clrMapOvr>
+  <p:timing>
+    <p:tnLst>
+      <p:par>
+        <p:cTn id="1" dur="indefinite" restart="never" nodeType="tmRoot"/>
+      </p:par>
+    </p:tnLst>
+  </p:timing>
+</p:sld>
+</file>
+
+<file path=ppt/slides/slide11.xml><?xml version="1.0" encoding="utf-8"?>
+<p:sld xmlns:a="http://schemas.openxmlformats.org/drawingml/2006/main" xmlns:r="http://schemas.openxmlformats.org/officeDocument/2006/relationships" xmlns:p="http://schemas.openxmlformats.org/presentationml/2006/main">
+  <p:cSld>
+    <p:spTree>
+      <p:nvGrpSpPr>
+        <p:cNvPr id="1" name=""/>
+        <p:cNvGrpSpPr/>
+        <p:nvPr/>
+      </p:nvGrpSpPr>
+      <p:grpSpPr>
+        <a:xfrm>
+          <a:off x="0" y="0"/>
+          <a:ext cx="0" cy="0"/>
+          <a:chOff x="0" y="0"/>
+          <a:chExt cx="0" cy="0"/>
+        </a:xfrm>
+      </p:grpSpPr>
+      <p:sp>
+        <p:nvSpPr>
+          <p:cNvPr id="2" name="כותרת 1"/>
+          <p:cNvSpPr>
+            <a:spLocks noGrp="1"/>
+          </p:cNvSpPr>
+          <p:nvPr>
+            <p:ph type="title"/>
+          </p:nvPr>
+        </p:nvSpPr>
+        <p:spPr/>
+        <p:txBody>
+          <a:bodyPr>
+            <a:normAutofit/>
+          </a:bodyPr>
+          <a:lstStyle/>
+          <a:p>
+            <a:pPr algn="r"/>
+            <a:r>
+              <a:rPr lang="he-IL" sz="4400" b="1" dirty="0" smtClean="0"/>
+              <a:t>סדר וניקיון</a:t>
+            </a:r>
+            <a:endParaRPr lang="he-IL" sz="4400" b="1" dirty="0"/>
+          </a:p>
+        </p:txBody>
+      </p:sp>
+      <p:sp>
+        <p:nvSpPr>
+          <p:cNvPr id="5" name="מציין מיקום תוכן 2"/>
+          <p:cNvSpPr>
+            <a:spLocks noGrp="1"/>
+          </p:cNvSpPr>
+          <p:nvPr>
+            <p:ph idx="1"/>
+          </p:nvPr>
+        </p:nvSpPr>
+        <p:spPr>
+          <a:xfrm>
+            <a:off x="677334" y="1536133"/>
+            <a:ext cx="8596668" cy="3880773"/>
+          </a:xfrm>
+        </p:spPr>
+        <p:txBody>
+          <a:bodyPr>
+            <a:normAutofit fontScale="70000" lnSpcReduction="20000"/>
+          </a:bodyPr>
+          <a:lstStyle/>
+          <a:p>
+            <a:pPr marL="609600" indent="-609600"/>
+            <a:r>
+              <a:rPr lang="he-IL" sz="4800" dirty="0" smtClean="0"/>
+              <a:t>שמירת פרוייקט ה-</a:t>
+            </a:r>
+            <a:r>
+              <a:rPr lang="en-US" sz="4800" dirty="0" smtClean="0"/>
+              <a:t>SCRATCHX </a:t>
+            </a:r>
+          </a:p>
+          <a:p>
+            <a:pPr marL="609600" indent="-609600"/>
+            <a:r>
+              <a:rPr lang="he-IL" sz="4800" dirty="0" smtClean="0"/>
+              <a:t>סוגרים את החלונות במחשב</a:t>
+            </a:r>
+          </a:p>
+          <a:p>
+            <a:pPr marL="609600" indent="-609600"/>
+            <a:r>
+              <a:rPr lang="he-IL" sz="4800" dirty="0" smtClean="0"/>
+              <a:t>כיבוי הרובוט</a:t>
+            </a:r>
+          </a:p>
+          <a:p>
+            <a:pPr marL="609600" indent="-609600"/>
+            <a:r>
+              <a:rPr lang="he-IL" sz="4800" dirty="0" smtClean="0"/>
+              <a:t>סידור ציוד ועמדת העבודה</a:t>
+            </a:r>
+          </a:p>
+          <a:p>
+            <a:pPr marL="609600" indent="-609600"/>
+            <a:r>
+              <a:rPr lang="he-IL" sz="4800" dirty="0" smtClean="0"/>
+              <a:t>פירוק הבטריה</a:t>
+            </a:r>
+          </a:p>
+          <a:p>
+            <a:pPr marL="609600" indent="-609600"/>
+            <a:r>
+              <a:rPr lang="he-IL" sz="4800" dirty="0" smtClean="0"/>
+              <a:t>חיבור הבטריה לעמדת ההטענה</a:t>
+            </a:r>
+          </a:p>
+          <a:p>
+            <a:pPr marL="609600" indent="-609600"/>
+            <a:r>
+              <a:rPr lang="he-IL" sz="4800" dirty="0" smtClean="0"/>
+              <a:t>סידור הרובוט לארון </a:t>
+            </a:r>
+          </a:p>
+        </p:txBody>
+      </p:sp>
+    </p:spTree>
+    <p:extLst>
+      <p:ext uri="{BB962C8B-B14F-4D97-AF65-F5344CB8AC3E}">
+        <p14:creationId xmlns="" xmlns:p14="http://schemas.microsoft.com/office/powerpoint/2010/main" val="2508929371"/>
       </p:ext>
     </p:extLst>
   </p:cSld>
@@ -6022,27 +6357,14 @@
           <a:p>
             <a:r>
               <a:rPr lang="he-IL" sz="4000" dirty="0" smtClean="0"/>
-              <a:t> תכנות הרובוט </a:t>
-            </a:r>
+              <a:t> תכנות הרובוט – פקודת הפעלת מנוע</a:t>
+            </a:r>
+          </a:p>
+          <a:p>
             <a:r>
               <a:rPr lang="he-IL" sz="4000" dirty="0" smtClean="0"/>
-              <a:t>– פקודת הפעלת מנוע</a:t>
-            </a:r>
-          </a:p>
-          <a:p>
-            <a:r>
-              <a:rPr lang="he-IL" sz="4000" dirty="0" smtClean="0"/>
-              <a:t> תכנות </a:t>
-            </a:r>
-            <a:r>
-              <a:rPr lang="he-IL" sz="4000" dirty="0" smtClean="0"/>
-              <a:t>הרובוט – הפעלת </a:t>
-            </a:r>
-            <a:r>
-              <a:rPr lang="he-IL" sz="4000" dirty="0" smtClean="0"/>
-              <a:t>המנוע</a:t>
-            </a:r>
-            <a:endParaRPr lang="he-IL" sz="4000" dirty="0" smtClean="0"/>
+              <a:t> תכנות הרובוט – הפעלת המנוע</a:t>
+            </a:r>
           </a:p>
           <a:p>
             <a:r>
@@ -6067,7 +6389,7 @@
     </p:spTree>
     <p:extLst>
       <p:ext uri="{BB962C8B-B14F-4D97-AF65-F5344CB8AC3E}">
-        <p14:creationId xmlns="" xmlns:p14="http://schemas.microsoft.com/office/powerpoint/2010/main" val="2508929371"/>
+        <p14:creationId xmlns:p14="http://schemas.microsoft.com/office/powerpoint/2010/main" xmlns="" val="2508929371"/>
       </p:ext>
     </p:extLst>
   </p:cSld>
@@ -6183,7 +6505,7 @@
     </p:spTree>
     <p:extLst>
       <p:ext uri="{BB962C8B-B14F-4D97-AF65-F5344CB8AC3E}">
-        <p14:creationId xmlns="" xmlns:p14="http://schemas.microsoft.com/office/powerpoint/2010/main" val="2508929371"/>
+        <p14:creationId xmlns:p14="http://schemas.microsoft.com/office/powerpoint/2010/main" xmlns="" val="2508929371"/>
       </p:ext>
     </p:extLst>
   </p:cSld>
@@ -6406,7 +6728,7 @@
     </p:spTree>
     <p:extLst>
       <p:ext uri="{BB962C8B-B14F-4D97-AF65-F5344CB8AC3E}">
-        <p14:creationId xmlns="" xmlns:p14="http://schemas.microsoft.com/office/powerpoint/2010/main" val="2508929371"/>
+        <p14:creationId xmlns:p14="http://schemas.microsoft.com/office/powerpoint/2010/main" xmlns="" val="2508929371"/>
       </p:ext>
     </p:extLst>
   </p:cSld>
@@ -6465,11 +6787,7 @@
             <a:pPr algn="r"/>
             <a:r>
               <a:rPr lang="he-IL" sz="4400" b="1" dirty="0" smtClean="0"/>
-              <a:t>תכנות הרובוט </a:t>
-            </a:r>
-            <a:r>
-              <a:rPr lang="he-IL" sz="4400" b="1" dirty="0" smtClean="0"/>
-              <a:t>– פקודת הפעלת המנוע</a:t>
+              <a:t>תכנות הרובוט – פקודת הפעלת המנוע</a:t>
             </a:r>
             <a:endParaRPr lang="he-IL" sz="4400" b="1" dirty="0"/>
           </a:p>
@@ -6499,25 +6817,17 @@
           <a:p>
             <a:r>
               <a:rPr lang="he-IL" sz="3200" dirty="0" smtClean="0"/>
-              <a:t> פקודת הפעל מנוע במהירות מסויימת בכיוון </a:t>
-            </a:r>
+              <a:t> פקודת הפעל מנוע במהירות מסויימת בכיוון מסוים</a:t>
+            </a:r>
+          </a:p>
+          <a:p>
+            <a:endParaRPr lang="he-IL" sz="3200" dirty="0" smtClean="0"/>
+          </a:p>
+          <a:p>
+            <a:pPr lvl="1"/>
             <a:r>
               <a:rPr lang="he-IL" sz="3200" dirty="0" smtClean="0"/>
-              <a:t>מסוים</a:t>
-            </a:r>
-          </a:p>
-          <a:p>
-            <a:endParaRPr lang="he-IL" sz="3200" dirty="0" smtClean="0"/>
-          </a:p>
-          <a:p>
-            <a:pPr lvl="1"/>
-            <a:r>
-              <a:rPr lang="he-IL" sz="3200" dirty="0" smtClean="0"/>
-              <a:t> מהו </a:t>
-            </a:r>
-            <a:r>
-              <a:rPr lang="he-IL" sz="3200" dirty="0" smtClean="0"/>
-              <a:t>פרמטר – קביעת ערך בתוך הפקודה</a:t>
+              <a:t> מהו פרמטר – קביעת ערך בתוך הפקודה</a:t>
             </a:r>
           </a:p>
           <a:p>
@@ -6531,50 +6841,22 @@
             <a:pPr lvl="1"/>
             <a:r>
               <a:rPr lang="he-IL" sz="3200" dirty="0" smtClean="0"/>
-              <a:t> </a:t>
-            </a:r>
+              <a:t> בחירת טווח מהירות: 8-0</a:t>
+            </a:r>
+          </a:p>
+          <a:p>
+            <a:pPr lvl="2"/>
+            <a:r>
+              <a:rPr lang="he-IL" sz="2800" dirty="0" smtClean="0"/>
+              <a:t> מהירות 0 = עצירת המנוע</a:t>
+            </a:r>
+            <a:endParaRPr lang="he-IL" sz="3000" dirty="0" smtClean="0"/>
+          </a:p>
+          <a:p>
+            <a:pPr lvl="1"/>
             <a:r>
               <a:rPr lang="he-IL" sz="3200" dirty="0" smtClean="0"/>
-              <a:t>בחירת </a:t>
-            </a:r>
-            <a:r>
-              <a:rPr lang="he-IL" sz="3200" dirty="0" smtClean="0"/>
-              <a:t>טווח </a:t>
-            </a:r>
-            <a:r>
-              <a:rPr lang="he-IL" sz="3200" dirty="0" smtClean="0"/>
-              <a:t>מהירות: </a:t>
-            </a:r>
-            <a:r>
-              <a:rPr lang="he-IL" sz="3200" dirty="0" smtClean="0"/>
-              <a:t>8-0</a:t>
-            </a:r>
-          </a:p>
-          <a:p>
-            <a:pPr lvl="2"/>
-            <a:r>
-              <a:rPr lang="he-IL" sz="2800" dirty="0" smtClean="0"/>
-              <a:t> מהירות 0 = עצירת </a:t>
-            </a:r>
-            <a:r>
-              <a:rPr lang="he-IL" sz="2800" dirty="0" smtClean="0"/>
-              <a:t>המנוע</a:t>
-            </a:r>
-            <a:endParaRPr lang="he-IL" sz="3000" dirty="0" smtClean="0"/>
-          </a:p>
-          <a:p>
-            <a:pPr lvl="1"/>
-            <a:r>
-              <a:rPr lang="he-IL" sz="3200" dirty="0" smtClean="0"/>
-              <a:t> </a:t>
-            </a:r>
-            <a:r>
-              <a:rPr lang="he-IL" sz="3200" dirty="0" smtClean="0"/>
-              <a:t>בחירת כיוון: </a:t>
-            </a:r>
-            <a:r>
-              <a:rPr lang="he-IL" sz="3200" dirty="0" smtClean="0"/>
-              <a:t>קדימה </a:t>
+              <a:t> בחירת כיוון: קדימה </a:t>
             </a:r>
             <a:r>
               <a:rPr lang="en-US" sz="3200" dirty="0" smtClean="0"/>
@@ -6582,13 +6864,8 @@
             </a:r>
             <a:r>
               <a:rPr lang="he-IL" sz="3200" dirty="0" smtClean="0"/>
-              <a:t> </a:t>
-            </a:r>
-            <a:r>
-              <a:rPr lang="he-IL" sz="3200" dirty="0" smtClean="0"/>
-              <a:t>אחורה</a:t>
-            </a:r>
-            <a:endParaRPr lang="he-IL" sz="3200" dirty="0" smtClean="0"/>
+              <a:t> אחורה</a:t>
+            </a:r>
           </a:p>
         </p:txBody>
       </p:sp>
@@ -6627,7 +6904,7 @@
     </p:spTree>
     <p:extLst>
       <p:ext uri="{BB962C8B-B14F-4D97-AF65-F5344CB8AC3E}">
-        <p14:creationId xmlns="" xmlns:p14="http://schemas.microsoft.com/office/powerpoint/2010/main" val="999608912"/>
+        <p14:creationId xmlns:p14="http://schemas.microsoft.com/office/powerpoint/2010/main" xmlns="" val="999608912"/>
       </p:ext>
     </p:extLst>
   </p:cSld>
@@ -6686,11 +6963,7 @@
             <a:pPr algn="r"/>
             <a:r>
               <a:rPr lang="he-IL" sz="4400" b="1" dirty="0" smtClean="0"/>
-              <a:t>תכנות הרובוט </a:t>
-            </a:r>
-            <a:r>
-              <a:rPr lang="he-IL" sz="4400" b="1" dirty="0" smtClean="0"/>
-              <a:t>– הפעלת מנוע</a:t>
+              <a:t>תכנות הרובוט – הפעלת מנוע</a:t>
             </a:r>
             <a:endParaRPr lang="he-IL" sz="4400" b="1" dirty="0"/>
           </a:p>
@@ -6744,51 +7017,27 @@
           <a:p>
             <a:r>
               <a:rPr lang="he-IL" sz="3400" dirty="0" smtClean="0"/>
-              <a:t> מתי </a:t>
-            </a:r>
+              <a:t> מתי מנוע מפסיק לפעול?</a:t>
+            </a:r>
+          </a:p>
+          <a:p>
+            <a:pPr lvl="2"/>
+            <a:r>
+              <a:rPr lang="he-IL" sz="3000" dirty="0" smtClean="0"/>
+              <a:t> רק כשמורים לו בצורה מפורשת!</a:t>
+            </a:r>
+          </a:p>
+          <a:p>
             <a:r>
               <a:rPr lang="he-IL" sz="3400" dirty="0" smtClean="0"/>
-              <a:t>מנוע מפסיק לפעול?</a:t>
-            </a:r>
-          </a:p>
-          <a:p>
-            <a:pPr lvl="2"/>
-            <a:r>
-              <a:rPr lang="he-IL" sz="3000" dirty="0" smtClean="0"/>
-              <a:t> </a:t>
-            </a:r>
-            <a:r>
-              <a:rPr lang="he-IL" sz="3000" dirty="0" smtClean="0"/>
-              <a:t>רק </a:t>
-            </a:r>
-            <a:r>
-              <a:rPr lang="he-IL" sz="3000" dirty="0" smtClean="0"/>
-              <a:t>כשמורים לו בצורה מפורשת</a:t>
-            </a:r>
-            <a:r>
-              <a:rPr lang="he-IL" sz="3000" dirty="0" smtClean="0"/>
-              <a:t>!</a:t>
-            </a:r>
-          </a:p>
-          <a:p>
-            <a:r>
-              <a:rPr lang="he-IL" sz="3400" dirty="0" smtClean="0"/>
-              <a:t>החזיקו </a:t>
-            </a:r>
-            <a:r>
-              <a:rPr lang="he-IL" sz="3400" dirty="0" smtClean="0"/>
-              <a:t>את הרובוט באויר והפעילו אחד מהמנועים במהירות 5 קדימה </a:t>
+              <a:t>החזיקו את הרובוט באויר והפעילו אחד מהמנועים במהירות 5 קדימה </a:t>
             </a:r>
           </a:p>
           <a:p>
             <a:pPr lvl="1"/>
             <a:r>
               <a:rPr lang="he-IL" sz="3200" dirty="0" smtClean="0"/>
-              <a:t> האם </a:t>
-            </a:r>
-            <a:r>
-              <a:rPr lang="he-IL" sz="3200" dirty="0" smtClean="0"/>
-              <a:t>הרובוט מבין מה זה "קדימה"?</a:t>
+              <a:t> האם הרובוט מבין מה זה "קדימה"?</a:t>
             </a:r>
           </a:p>
           <a:p>
@@ -6807,7 +7056,7 @@
     </p:spTree>
     <p:extLst>
       <p:ext uri="{BB962C8B-B14F-4D97-AF65-F5344CB8AC3E}">
-        <p14:creationId xmlns="" xmlns:p14="http://schemas.microsoft.com/office/powerpoint/2010/main" val="999608912"/>
+        <p14:creationId xmlns:p14="http://schemas.microsoft.com/office/powerpoint/2010/main" xmlns="" val="999608912"/>
       </p:ext>
     </p:extLst>
   </p:cSld>
@@ -6966,7 +7215,7 @@
     </p:spTree>
     <p:extLst>
       <p:ext uri="{BB962C8B-B14F-4D97-AF65-F5344CB8AC3E}">
-        <p14:creationId xmlns="" xmlns:p14="http://schemas.microsoft.com/office/powerpoint/2010/main" val="999608912"/>
+        <p14:creationId xmlns:p14="http://schemas.microsoft.com/office/powerpoint/2010/main" xmlns="" val="999608912"/>
       </p:ext>
     </p:extLst>
   </p:cSld>
@@ -7043,7 +7292,7 @@
         </p:nvSpPr>
         <p:spPr>
           <a:xfrm>
-            <a:off x="0" y="1494262"/>
+            <a:off x="0" y="1428947"/>
             <a:ext cx="9274002" cy="5847063"/>
           </a:xfrm>
         </p:spPr>
@@ -7069,8 +7318,36 @@
             <a:pPr lvl="1"/>
             <a:r>
               <a:rPr lang="he-IL" sz="2600" dirty="0" smtClean="0"/>
-              <a:t> נסיעה בקשת לשמאל 2 שניות ועצירה</a:t>
-            </a:r>
+              <a:t> נסיעה בקשת לשמאל 2 שניות </a:t>
+            </a:r>
+            <a:r>
+              <a:rPr lang="he-IL" sz="2600" dirty="0" smtClean="0"/>
+              <a:t>ועצירה</a:t>
+            </a:r>
+          </a:p>
+          <a:p>
+            <a:pPr lvl="1"/>
+            <a:endParaRPr lang="he-IL" sz="2600" dirty="0" smtClean="0"/>
+          </a:p>
+          <a:p>
+            <a:pPr lvl="1"/>
+            <a:endParaRPr lang="he-IL" sz="2600" dirty="0" smtClean="0"/>
+          </a:p>
+          <a:p>
+            <a:pPr lvl="1"/>
+            <a:endParaRPr lang="he-IL" sz="2600" dirty="0" smtClean="0"/>
+          </a:p>
+          <a:p>
+            <a:pPr lvl="1"/>
+            <a:endParaRPr lang="he-IL" sz="2600" dirty="0" smtClean="0"/>
+          </a:p>
+          <a:p>
+            <a:pPr lvl="1"/>
+            <a:endParaRPr lang="he-IL" sz="2600" dirty="0" smtClean="0"/>
+          </a:p>
+          <a:p>
+            <a:pPr lvl="1"/>
+            <a:endParaRPr lang="he-IL" sz="2600" dirty="0" smtClean="0"/>
           </a:p>
           <a:p>
             <a:pPr lvl="1"/>
@@ -7081,41 +7358,6 @@
           </a:p>
           <a:p>
             <a:pPr lvl="1"/>
-            <a:r>
-              <a:rPr lang="he-IL" sz="2600" dirty="0" smtClean="0"/>
-              <a:t> נסיעה בסיבוב ימינה על ציר 2 שניות ועצירה</a:t>
-            </a:r>
-          </a:p>
-          <a:p>
-            <a:pPr lvl="1"/>
-            <a:r>
-              <a:rPr lang="he-IL" sz="2600" dirty="0" smtClean="0"/>
-              <a:t> נסיעה בסיבוב שמאלה על המקום 2 שניות ועצירה</a:t>
-            </a:r>
-          </a:p>
-          <a:p>
-            <a:pPr lvl="1"/>
-            <a:r>
-              <a:rPr lang="he-IL" sz="2600" dirty="0" smtClean="0"/>
-              <a:t>מתקדם: סיבוב על המקום סיבוב מלא ואז יסע קדימה 2 שניות.</a:t>
-            </a:r>
-          </a:p>
-          <a:p>
-            <a:pPr lvl="2"/>
-            <a:r>
-              <a:rPr lang="he-IL" sz="2200" dirty="0" smtClean="0"/>
-              <a:t> דיון: כמה זמן יש להקציב לסיבוב כדי להשלים סיבוב מלא?</a:t>
-            </a:r>
-          </a:p>
-          <a:p>
-            <a:pPr lvl="2"/>
-            <a:r>
-              <a:rPr lang="he-IL" sz="2200" dirty="0" smtClean="0"/>
-              <a:t> האם לכל רובוט לקח אותו זמן להסתובב? למה?</a:t>
-            </a:r>
-          </a:p>
-          <a:p>
-            <a:pPr lvl="1"/>
             <a:endParaRPr lang="he-IL" sz="2600" dirty="0" smtClean="0"/>
           </a:p>
           <a:p>
@@ -7124,10 +7366,42 @@
           </a:p>
         </p:txBody>
       </p:sp>
+      <p:pic>
+        <p:nvPicPr>
+          <p:cNvPr id="2051" name="Picture 3"/>
+          <p:cNvPicPr>
+            <a:picLocks noChangeAspect="1" noChangeArrowheads="1"/>
+          </p:cNvPicPr>
+          <p:nvPr/>
+        </p:nvPicPr>
+        <p:blipFill>
+          <a:blip r:embed="rId2"/>
+          <a:srcRect/>
+          <a:stretch>
+            <a:fillRect/>
+          </a:stretch>
+        </p:blipFill>
+        <p:spPr bwMode="auto">
+          <a:xfrm>
+            <a:off x="3286666" y="3237168"/>
+            <a:ext cx="5060497" cy="3137508"/>
+          </a:xfrm>
+          <a:prstGeom prst="rect">
+            <a:avLst/>
+          </a:prstGeom>
+          <a:noFill/>
+          <a:ln w="9525">
+            <a:noFill/>
+            <a:miter lim="800000"/>
+            <a:headEnd/>
+            <a:tailEnd/>
+          </a:ln>
+        </p:spPr>
+      </p:pic>
     </p:spTree>
     <p:extLst>
       <p:ext uri="{BB962C8B-B14F-4D97-AF65-F5344CB8AC3E}">
-        <p14:creationId xmlns="" xmlns:p14="http://schemas.microsoft.com/office/powerpoint/2010/main" val="999608912"/>
+        <p14:creationId xmlns:p14="http://schemas.microsoft.com/office/powerpoint/2010/main" xmlns="" val="999608912"/>
       </p:ext>
     </p:extLst>
   </p:cSld>
@@ -7171,7 +7445,12 @@
             <p:ph type="title"/>
           </p:nvPr>
         </p:nvSpPr>
-        <p:spPr/>
+        <p:spPr>
+          <a:xfrm>
+            <a:off x="677334" y="609600"/>
+            <a:ext cx="8596668" cy="773151"/>
+          </a:xfrm>
+        </p:spPr>
         <p:txBody>
           <a:bodyPr>
             <a:normAutofit/>
@@ -7181,7 +7460,7 @@
             <a:pPr algn="r"/>
             <a:r>
               <a:rPr lang="he-IL" sz="4400" b="1" dirty="0" smtClean="0"/>
-              <a:t>סדר וניקיון</a:t>
+              <a:t>תירגול – מגוון סוגי נסיעות</a:t>
             </a:r>
             <a:endParaRPr lang="he-IL" sz="4400" b="1" dirty="0"/>
           </a:p>
@@ -7189,7 +7468,7 @@
       </p:sp>
       <p:sp>
         <p:nvSpPr>
-          <p:cNvPr id="5" name="מציין מיקום תוכן 2"/>
+          <p:cNvPr id="3" name="מציין מיקום תוכן 2"/>
           <p:cNvSpPr>
             <a:spLocks noGrp="1"/>
           </p:cNvSpPr>
@@ -7199,74 +7478,81 @@
         </p:nvSpPr>
         <p:spPr>
           <a:xfrm>
-            <a:off x="677334" y="1536133"/>
-            <a:ext cx="8596668" cy="3880773"/>
+            <a:off x="0" y="1428947"/>
+            <a:ext cx="9274002" cy="5847063"/>
           </a:xfrm>
         </p:spPr>
         <p:txBody>
           <a:bodyPr>
-            <a:normAutofit fontScale="70000" lnSpcReduction="20000"/>
+            <a:noAutofit/>
           </a:bodyPr>
           <a:lstStyle/>
           <a:p>
-            <a:pPr marL="609600" indent="-609600"/>
-            <a:r>
-              <a:rPr lang="he-IL" sz="4800" dirty="0" smtClean="0"/>
-              <a:t>שמירת פרוייקט ה-</a:t>
-            </a:r>
-            <a:r>
-              <a:rPr lang="en-US" sz="4800" dirty="0" smtClean="0"/>
-              <a:t>SCRATCHX </a:t>
-            </a:r>
-          </a:p>
-          <a:p>
-            <a:pPr marL="609600" indent="-609600"/>
-            <a:r>
-              <a:rPr lang="he-IL" sz="4800" dirty="0" smtClean="0"/>
-              <a:t>סוגרים את החלונות במחשב</a:t>
-            </a:r>
-          </a:p>
-          <a:p>
-            <a:pPr marL="609600" indent="-609600"/>
-            <a:r>
-              <a:rPr lang="he-IL" sz="4800" dirty="0" smtClean="0"/>
-              <a:t>כיבוי הרובוט</a:t>
-            </a:r>
-          </a:p>
-          <a:p>
-            <a:pPr marL="609600" indent="-609600"/>
-            <a:r>
-              <a:rPr lang="he-IL" sz="4800" dirty="0" smtClean="0"/>
-              <a:t>סידור ציוד ועמדת העבודה</a:t>
-            </a:r>
-          </a:p>
-          <a:p>
-            <a:pPr marL="609600" indent="-609600"/>
-            <a:r>
-              <a:rPr lang="he-IL" sz="4800" dirty="0" smtClean="0"/>
-              <a:t>פירוק הבטריה</a:t>
-            </a:r>
-          </a:p>
-          <a:p>
-            <a:pPr marL="609600" indent="-609600"/>
-            <a:r>
-              <a:rPr lang="he-IL" sz="4800" dirty="0" smtClean="0"/>
-              <a:t>חיבור הבטריה לעמדת ההטענה</a:t>
-            </a:r>
-          </a:p>
-          <a:p>
-            <a:pPr marL="609600" indent="-609600"/>
-            <a:r>
-              <a:rPr lang="he-IL" sz="4800" dirty="0" smtClean="0"/>
-              <a:t>סידור הרובוט לארון </a:t>
-            </a:r>
-          </a:p>
-        </p:txBody>
-      </p:sp>
+            <a:r>
+              <a:rPr lang="he-IL" sz="4000" dirty="0" smtClean="0"/>
+              <a:t> בנו את התסריטים הבאים</a:t>
+            </a:r>
+            <a:r>
+              <a:rPr lang="he-IL" sz="4000" dirty="0" smtClean="0"/>
+              <a:t>:</a:t>
+            </a:r>
+            <a:endParaRPr lang="he-IL" sz="2600" dirty="0" smtClean="0"/>
+          </a:p>
+          <a:p>
+            <a:pPr lvl="1"/>
+            <a:r>
+              <a:rPr lang="he-IL" sz="2600" dirty="0" smtClean="0"/>
+              <a:t> נסיעה בסיבוב ימינה על ציר 2 שניות </a:t>
+            </a:r>
+            <a:r>
+              <a:rPr lang="he-IL" sz="2600" dirty="0" smtClean="0"/>
+              <a:t>ועצירה</a:t>
+            </a:r>
+          </a:p>
+          <a:p>
+            <a:pPr lvl="1">
+              <a:buNone/>
+            </a:pPr>
+            <a:endParaRPr lang="he-IL" sz="2600" dirty="0" smtClean="0"/>
+          </a:p>
+        </p:txBody>
+      </p:sp>
+      <p:pic>
+        <p:nvPicPr>
+          <p:cNvPr id="1027" name="Picture 3"/>
+          <p:cNvPicPr>
+            <a:picLocks noChangeAspect="1" noChangeArrowheads="1"/>
+          </p:cNvPicPr>
+          <p:nvPr/>
+        </p:nvPicPr>
+        <p:blipFill>
+          <a:blip r:embed="rId2"/>
+          <a:srcRect/>
+          <a:stretch>
+            <a:fillRect/>
+          </a:stretch>
+        </p:blipFill>
+        <p:spPr bwMode="auto">
+          <a:xfrm>
+            <a:off x="3480435" y="2821846"/>
+            <a:ext cx="4239714" cy="3938669"/>
+          </a:xfrm>
+          <a:prstGeom prst="rect">
+            <a:avLst/>
+          </a:prstGeom>
+          <a:noFill/>
+          <a:ln w="9525">
+            <a:noFill/>
+            <a:miter lim="800000"/>
+            <a:headEnd/>
+            <a:tailEnd/>
+          </a:ln>
+        </p:spPr>
+      </p:pic>
     </p:spTree>
     <p:extLst>
       <p:ext uri="{BB962C8B-B14F-4D97-AF65-F5344CB8AC3E}">
-        <p14:creationId xmlns:p14="http://schemas.microsoft.com/office/powerpoint/2010/main" xmlns="" val="2508929371"/>
+        <p14:creationId xmlns:p14="http://schemas.microsoft.com/office/powerpoint/2010/main" xmlns="" val="999608912"/>
       </p:ext>
     </p:extLst>
   </p:cSld>
@@ -7534,7 +7820,7 @@
   <a:extraClrSchemeLst/>
   <a:extLst>
     <a:ext uri="{05A4C25C-085E-4340-85A3-A5531E510DB2}">
-      <thm15:themeFamily xmlns="" xmlns:thm15="http://schemas.microsoft.com/office/thememl/2012/main" name="Facet" id="{C0C680CD-088A-49FC-A102-D699147F32B2}" vid="{CFBC31BA-B70F-4F30-BCAA-4F3011E16C4D}"/>
+      <thm15:themeFamily xmlns:thm15="http://schemas.microsoft.com/office/thememl/2012/main" xmlns="" name="Facet" id="{C0C680CD-088A-49FC-A102-D699147F32B2}" vid="{CFBC31BA-B70F-4F30-BCAA-4F3011E16C4D}"/>
     </a:ext>
   </a:extLst>
 </a:theme>
